--- a/slides/raspberry_pi_boot_process.pptx
+++ b/slides/raspberry_pi_boot_process.pptx
@@ -318,7 +318,7 @@
           <a:p>
             <a:fld id="{9E1E4C47-8EB7-495D-938E-E2CDA69D1F3B}" type="datetimeFigureOut">
               <a:rPr lang="en-US" smtClean="0"/>
-              <a:t>10/16/2014</a:t>
+              <a:t>10/17/2014</a:t>
             </a:fld>
             <a:endParaRPr lang="en-US"/>
           </a:p>
@@ -457,7 +457,7 @@
           <a:p>
             <a:fld id="{9E1E4C47-8EB7-495D-938E-E2CDA69D1F3B}" type="datetimeFigureOut">
               <a:rPr lang="en-US" smtClean="0"/>
-              <a:t>10/16/2014</a:t>
+              <a:t>10/17/2014</a:t>
             </a:fld>
             <a:endParaRPr lang="en-US"/>
           </a:p>
@@ -573,7 +573,7 @@
           <a:p>
             <a:fld id="{9E1E4C47-8EB7-495D-938E-E2CDA69D1F3B}" type="datetimeFigureOut">
               <a:rPr lang="en-US" smtClean="0"/>
-              <a:t>10/16/2014</a:t>
+              <a:t>10/17/2014</a:t>
             </a:fld>
             <a:endParaRPr lang="en-US"/>
           </a:p>
@@ -871,7 +871,7 @@
           <a:p>
             <a:fld id="{9E1E4C47-8EB7-495D-938E-E2CDA69D1F3B}" type="datetimeFigureOut">
               <a:rPr lang="en-US" smtClean="0"/>
-              <a:t>10/16/2014</a:t>
+              <a:t>10/17/2014</a:t>
             </a:fld>
             <a:endParaRPr lang="en-US"/>
           </a:p>
@@ -1149,7 +1149,7 @@
           <a:p>
             <a:fld id="{9E1E4C47-8EB7-495D-938E-E2CDA69D1F3B}" type="datetimeFigureOut">
               <a:rPr lang="en-US" smtClean="0"/>
-              <a:t>10/16/2014</a:t>
+              <a:t>10/17/2014</a:t>
             </a:fld>
             <a:endParaRPr lang="en-US"/>
           </a:p>
@@ -1340,7 +1340,7 @@
           <a:p>
             <a:fld id="{9E1E4C47-8EB7-495D-938E-E2CDA69D1F3B}" type="datetimeFigureOut">
               <a:rPr lang="en-US" smtClean="0"/>
-              <a:t>10/16/2014</a:t>
+              <a:t>10/17/2014</a:t>
             </a:fld>
             <a:endParaRPr lang="en-US"/>
           </a:p>
@@ -1541,7 +1541,7 @@
           <a:p>
             <a:fld id="{9E1E4C47-8EB7-495D-938E-E2CDA69D1F3B}" type="datetimeFigureOut">
               <a:rPr lang="en-US" smtClean="0"/>
-              <a:t>10/16/2014</a:t>
+              <a:t>10/17/2014</a:t>
             </a:fld>
             <a:endParaRPr lang="en-US"/>
           </a:p>
@@ -1804,7 +1804,7 @@
           <a:p>
             <a:fld id="{9E1E4C47-8EB7-495D-938E-E2CDA69D1F3B}" type="datetimeFigureOut">
               <a:rPr lang="en-US" smtClean="0"/>
-              <a:t>10/16/2014</a:t>
+              <a:t>10/17/2014</a:t>
             </a:fld>
             <a:endParaRPr lang="en-US"/>
           </a:p>
@@ -1995,7 +1995,7 @@
           <a:p>
             <a:fld id="{9E1E4C47-8EB7-495D-938E-E2CDA69D1F3B}" type="datetimeFigureOut">
               <a:rPr lang="en-US" smtClean="0"/>
-              <a:t>10/16/2014</a:t>
+              <a:t>10/17/2014</a:t>
             </a:fld>
             <a:endParaRPr lang="en-US"/>
           </a:p>
@@ -2191,7 +2191,7 @@
           <a:p>
             <a:fld id="{9E1E4C47-8EB7-495D-938E-E2CDA69D1F3B}" type="datetimeFigureOut">
               <a:rPr lang="en-US" smtClean="0"/>
-              <a:t>10/16/2014</a:t>
+              <a:t>10/17/2014</a:t>
             </a:fld>
             <a:endParaRPr lang="en-US"/>
           </a:p>
@@ -2390,7 +2390,7 @@
           <a:p>
             <a:fld id="{9E1E4C47-8EB7-495D-938E-E2CDA69D1F3B}" type="datetimeFigureOut">
               <a:rPr lang="en-US" smtClean="0"/>
-              <a:t>10/16/2014</a:t>
+              <a:t>10/17/2014</a:t>
             </a:fld>
             <a:endParaRPr lang="en-US"/>
           </a:p>
@@ -2581,7 +2581,7 @@
           <a:p>
             <a:fld id="{9E1E4C47-8EB7-495D-938E-E2CDA69D1F3B}" type="datetimeFigureOut">
               <a:rPr lang="en-US" smtClean="0"/>
-              <a:t>10/16/2014</a:t>
+              <a:t>10/17/2014</a:t>
             </a:fld>
             <a:endParaRPr lang="en-US"/>
           </a:p>
@@ -2848,7 +2848,7 @@
           <a:p>
             <a:fld id="{9E1E4C47-8EB7-495D-938E-E2CDA69D1F3B}" type="datetimeFigureOut">
               <a:rPr lang="en-US" smtClean="0"/>
-              <a:t>10/16/2014</a:t>
+              <a:t>10/17/2014</a:t>
             </a:fld>
             <a:endParaRPr lang="en-US"/>
           </a:p>
@@ -3157,7 +3157,7 @@
           <a:p>
             <a:fld id="{9E1E4C47-8EB7-495D-938E-E2CDA69D1F3B}" type="datetimeFigureOut">
               <a:rPr lang="en-US" smtClean="0"/>
-              <a:t>10/16/2014</a:t>
+              <a:t>10/17/2014</a:t>
             </a:fld>
             <a:endParaRPr lang="en-US"/>
           </a:p>
@@ -3600,7 +3600,7 @@
           <a:p>
             <a:fld id="{9E1E4C47-8EB7-495D-938E-E2CDA69D1F3B}" type="datetimeFigureOut">
               <a:rPr lang="en-US" smtClean="0"/>
-              <a:t>10/16/2014</a:t>
+              <a:t>10/17/2014</a:t>
             </a:fld>
             <a:endParaRPr lang="en-US"/>
           </a:p>
@@ -3857,7 +3857,7 @@
           <a:p>
             <a:fld id="{9E1E4C47-8EB7-495D-938E-E2CDA69D1F3B}" type="datetimeFigureOut">
               <a:rPr lang="en-US" smtClean="0"/>
-              <a:t>10/16/2014</a:t>
+              <a:t>10/17/2014</a:t>
             </a:fld>
             <a:endParaRPr lang="en-US"/>
           </a:p>
@@ -4815,7 +4815,7 @@
         </p:nvSpPr>
         <p:spPr>
           <a:xfrm>
-            <a:off x="1950179" y="2201033"/>
+            <a:off x="3293451" y="2136297"/>
             <a:ext cx="2548991" cy="801112"/>
           </a:xfrm>
           <a:prstGeom prst="roundRect">
@@ -4885,7 +4885,7 @@
         </p:nvSpPr>
         <p:spPr>
           <a:xfrm>
-            <a:off x="1812613" y="3431269"/>
+            <a:off x="3155885" y="3366533"/>
             <a:ext cx="2824122" cy="801112"/>
           </a:xfrm>
           <a:prstGeom prst="roundRect">
@@ -4957,7 +4957,7 @@
         </p:nvCxnSpPr>
         <p:spPr>
           <a:xfrm flipH="1">
-            <a:off x="3224674" y="3002145"/>
+            <a:off x="4567946" y="2937409"/>
             <a:ext cx="1" cy="429124"/>
           </a:xfrm>
           <a:prstGeom prst="straightConnector1">
@@ -4990,7 +4990,7 @@
         </p:nvSpPr>
         <p:spPr>
           <a:xfrm>
-            <a:off x="1812613" y="4695648"/>
+            <a:off x="3155885" y="4630912"/>
             <a:ext cx="2824122" cy="801112"/>
           </a:xfrm>
           <a:prstGeom prst="roundRect">
@@ -5062,7 +5062,7 @@
         </p:nvCxnSpPr>
         <p:spPr>
           <a:xfrm>
-            <a:off x="3224674" y="4232381"/>
+            <a:off x="4567946" y="4167645"/>
             <a:ext cx="0" cy="463267"/>
           </a:xfrm>
           <a:prstGeom prst="straightConnector1">
@@ -5087,98 +5087,6 @@
           </a:fontRef>
         </p:style>
       </p:cxnSp>
-      <p:sp>
-        <p:nvSpPr>
-          <p:cNvPr id="18" name="Right Brace 17"/>
-          <p:cNvSpPr/>
-          <p:nvPr/>
-        </p:nvSpPr>
-        <p:spPr>
-          <a:xfrm>
-            <a:off x="4855221" y="3431269"/>
-            <a:ext cx="477430" cy="2065491"/>
-          </a:xfrm>
-          <a:prstGeom prst="rightBrace">
-            <a:avLst/>
-          </a:prstGeom>
-        </p:spPr>
-        <p:style>
-          <a:lnRef idx="3">
-            <a:schemeClr val="accent2"/>
-          </a:lnRef>
-          <a:fillRef idx="0">
-            <a:schemeClr val="accent2"/>
-          </a:fillRef>
-          <a:effectRef idx="2">
-            <a:schemeClr val="accent2"/>
-          </a:effectRef>
-          <a:fontRef idx="minor">
-            <a:schemeClr val="tx1"/>
-          </a:fontRef>
-        </p:style>
-        <p:txBody>
-          <a:bodyPr rtlCol="0" anchor="ctr"/>
-          <a:lstStyle/>
-          <a:p>
-            <a:pPr algn="ctr"/>
-            <a:endParaRPr lang="en-US"/>
-          </a:p>
-        </p:txBody>
-      </p:sp>
-      <p:sp>
-        <p:nvSpPr>
-          <p:cNvPr id="19" name="TextBox 18"/>
-          <p:cNvSpPr txBox="1"/>
-          <p:nvPr/>
-        </p:nvSpPr>
-        <p:spPr>
-          <a:xfrm>
-            <a:off x="5532930" y="4048515"/>
-            <a:ext cx="2573267" cy="830997"/>
-          </a:xfrm>
-          <a:prstGeom prst="rect">
-            <a:avLst/>
-          </a:prstGeom>
-          <a:noFill/>
-        </p:spPr>
-        <p:txBody>
-          <a:bodyPr wrap="square" rtlCol="0">
-            <a:spAutoFit/>
-          </a:bodyPr>
-          <a:lstStyle/>
-          <a:p>
-            <a:r>
-              <a:rPr lang="en-US" sz="1600" dirty="0" smtClean="0">
-                <a:solidFill>
-                  <a:srgbClr val="C00000"/>
-                </a:solidFill>
-              </a:rPr>
-              <a:t>These can actually be replaced by other </a:t>
-            </a:r>
-            <a:r>
-              <a:rPr lang="en-US" sz="1600" dirty="0" err="1" smtClean="0">
-                <a:solidFill>
-                  <a:srgbClr val="C00000"/>
-                </a:solidFill>
-              </a:rPr>
-              <a:t>bootloaders</a:t>
-            </a:r>
-            <a:r>
-              <a:rPr lang="en-US" sz="1600" dirty="0" smtClean="0">
-                <a:solidFill>
-                  <a:srgbClr val="C00000"/>
-                </a:solidFill>
-              </a:rPr>
-              <a:t> such as U-Boot</a:t>
-            </a:r>
-            <a:endParaRPr lang="en-US" sz="1600" dirty="0">
-              <a:solidFill>
-                <a:srgbClr val="C00000"/>
-              </a:solidFill>
-            </a:endParaRPr>
-          </a:p>
-        </p:txBody>
-      </p:sp>
     </p:spTree>
     <p:extLst>
       <p:ext uri="{BB962C8B-B14F-4D97-AF65-F5344CB8AC3E}">
